--- a/WeightTrack/Eleat-Pitch.pptx
+++ b/WeightTrack/Eleat-Pitch.pptx
@@ -6,6 +6,9 @@
   </p:sldMasterIdLst>
   <p:sldIdLst>
     <p:sldId id="256" r:id="rId2"/>
+    <p:sldId id="261" r:id="rId3"/>
+    <p:sldId id="262" r:id="rId4"/>
+    <p:sldId id="257" r:id="rId5"/>
   </p:sldIdLst>
   <p:sldSz cx="12192000" cy="6858000"/>
   <p:notesSz cx="6858000" cy="9144000"/>
@@ -104,7 +107,16 @@
       </a:defRPr>
     </a:lvl9pPr>
   </p:defaultTextStyle>
+  <p:extLst>
+    <p:ext uri="{EFAFB233-063F-42B5-8137-9DF3F51BA10A}">
+      <p15:sldGuideLst xmlns:p15="http://schemas.microsoft.com/office/powerpoint/2012/main"/>
+    </p:ext>
+  </p:extLst>
 </p:presentation>
+</file>
+
+<file path=ppt/revisionInfo.xml><?xml version="1.0" encoding="utf-8"?>
+<p1510:revInfo xmlns:a="http://schemas.openxmlformats.org/drawingml/2006/main" xmlns:r="http://schemas.openxmlformats.org/officeDocument/2006/relationships" xmlns:p1510="http://schemas.microsoft.com/office/powerpoint/2015/10/main"/>
 </file>
 
 <file path=ppt/slideLayouts/slideLayout1.xml><?xml version="1.0" encoding="utf-8"?>
@@ -5962,7 +5974,7 @@
             </a:pPr>
             <a:r>
               <a:rPr lang="en-US" dirty="0"/>
-              <a:t>Jared Thomas</a:t>
+              <a:t>An Android Application Created By: Jared Thomas,</a:t>
             </a:r>
           </a:p>
           <a:p>
@@ -5985,7 +5997,10 @@
               <a:rPr lang="en-US" dirty="0" err="1"/>
               <a:t>Zurlo</a:t>
             </a:r>
-            <a:endParaRPr lang="en-US" dirty="0"/>
+            <a:r>
+              <a:rPr lang="en-US" dirty="0"/>
+              <a:t>,</a:t>
+            </a:r>
           </a:p>
           <a:p>
             <a:pPr>
@@ -6001,7 +6016,7 @@
             </a:pPr>
             <a:r>
               <a:rPr lang="en-US" dirty="0"/>
-              <a:t>Rachel Lee</a:t>
+              <a:t>Rachel Lee,</a:t>
             </a:r>
           </a:p>
           <a:p>
@@ -6045,7 +6060,7 @@
         </p:blipFill>
         <p:spPr>
           <a:xfrm>
-            <a:off x="1703557" y="1499617"/>
+            <a:off x="1703557" y="1264148"/>
             <a:ext cx="6344021" cy="2164852"/>
           </a:xfrm>
           <a:prstGeom prst="rect">
@@ -6057,6 +6072,1262 @@
     <p:extLst>
       <p:ext uri="{BB962C8B-B14F-4D97-AF65-F5344CB8AC3E}">
         <p14:creationId xmlns:p14="http://schemas.microsoft.com/office/powerpoint/2010/main" val="2590360352"/>
+      </p:ext>
+    </p:extLst>
+  </p:cSld>
+  <p:clrMapOvr>
+    <a:masterClrMapping/>
+  </p:clrMapOvr>
+</p:sld>
+</file>
+
+<file path=ppt/slides/slide2.xml><?xml version="1.0" encoding="utf-8"?>
+<p:sld xmlns:a="http://schemas.openxmlformats.org/drawingml/2006/main" xmlns:r="http://schemas.openxmlformats.org/officeDocument/2006/relationships" xmlns:p="http://schemas.openxmlformats.org/presentationml/2006/main">
+  <p:cSld>
+    <p:spTree>
+      <p:nvGrpSpPr>
+        <p:cNvPr id="1" name=""/>
+        <p:cNvGrpSpPr/>
+        <p:nvPr/>
+      </p:nvGrpSpPr>
+      <p:grpSpPr>
+        <a:xfrm>
+          <a:off x="0" y="0"/>
+          <a:ext cx="0" cy="0"/>
+          <a:chOff x="0" y="0"/>
+          <a:chExt cx="0" cy="0"/>
+        </a:xfrm>
+      </p:grpSpPr>
+      <p:sp>
+        <p:nvSpPr>
+          <p:cNvPr id="2" name="Title 1">
+            <a:extLst>
+              <a:ext uri="{FF2B5EF4-FFF2-40B4-BE49-F238E27FC236}">
+                <a16:creationId xmlns:a16="http://schemas.microsoft.com/office/drawing/2014/main" id="{4D79BC9F-E1AD-4D3F-921F-801C61DE6874}"/>
+              </a:ext>
+            </a:extLst>
+          </p:cNvPr>
+          <p:cNvSpPr>
+            <a:spLocks noGrp="1"/>
+          </p:cNvSpPr>
+          <p:nvPr>
+            <p:ph type="title"/>
+          </p:nvPr>
+        </p:nvSpPr>
+        <p:spPr/>
+        <p:txBody>
+          <a:bodyPr>
+            <a:normAutofit/>
+          </a:bodyPr>
+          <a:lstStyle/>
+          <a:p>
+            <a:r>
+              <a:rPr lang="en-US" sz="4400" dirty="0"/>
+              <a:t>Is this transition possible?</a:t>
+            </a:r>
+          </a:p>
+        </p:txBody>
+      </p:sp>
+      <p:pic>
+        <p:nvPicPr>
+          <p:cNvPr id="1026" name="Picture 2" descr="Image result for arnold schwarzenegger ripped">
+            <a:extLst>
+              <a:ext uri="{FF2B5EF4-FFF2-40B4-BE49-F238E27FC236}">
+                <a16:creationId xmlns:a16="http://schemas.microsoft.com/office/drawing/2014/main" id="{8A416BDA-56CD-49ED-9BA4-EC12571CA8D6}"/>
+              </a:ext>
+            </a:extLst>
+          </p:cNvPr>
+          <p:cNvPicPr>
+            <a:picLocks noGrp="1" noChangeAspect="1" noChangeArrowheads="1"/>
+          </p:cNvPicPr>
+          <p:nvPr>
+            <p:ph idx="1"/>
+          </p:nvPr>
+        </p:nvPicPr>
+        <p:blipFill>
+          <a:blip r:embed="rId2">
+            <a:extLst>
+              <a:ext uri="{28A0092B-C50C-407E-A947-70E740481C1C}">
+                <a14:useLocalDpi xmlns:a14="http://schemas.microsoft.com/office/drawing/2010/main" val="0"/>
+              </a:ext>
+            </a:extLst>
+          </a:blip>
+          <a:srcRect/>
+          <a:stretch>
+            <a:fillRect/>
+          </a:stretch>
+        </p:blipFill>
+        <p:spPr bwMode="auto">
+          <a:xfrm>
+            <a:off x="5725792" y="1930400"/>
+            <a:ext cx="3956885" cy="3120065"/>
+          </a:xfrm>
+          <a:prstGeom prst="rect">
+            <a:avLst/>
+          </a:prstGeom>
+          <a:noFill/>
+          <a:extLst>
+            <a:ext uri="{909E8E84-426E-40DD-AFC4-6F175D3DCCD1}">
+              <a14:hiddenFill xmlns:a14="http://schemas.microsoft.com/office/drawing/2010/main">
+                <a:solidFill>
+                  <a:srgbClr val="FFFFFF"/>
+                </a:solidFill>
+              </a14:hiddenFill>
+            </a:ext>
+          </a:extLst>
+        </p:spPr>
+      </p:pic>
+      <p:pic>
+        <p:nvPicPr>
+          <p:cNvPr id="1028" name="Picture 4" descr="Related image">
+            <a:extLst>
+              <a:ext uri="{FF2B5EF4-FFF2-40B4-BE49-F238E27FC236}">
+                <a16:creationId xmlns:a16="http://schemas.microsoft.com/office/drawing/2014/main" id="{CB9B8F3C-252B-497A-AAB1-32962EB67988}"/>
+              </a:ext>
+            </a:extLst>
+          </p:cNvPr>
+          <p:cNvPicPr>
+            <a:picLocks noChangeAspect="1" noChangeArrowheads="1"/>
+          </p:cNvPicPr>
+          <p:nvPr/>
+        </p:nvPicPr>
+        <p:blipFill>
+          <a:blip r:embed="rId3">
+            <a:extLst>
+              <a:ext uri="{28A0092B-C50C-407E-A947-70E740481C1C}">
+                <a14:useLocalDpi xmlns:a14="http://schemas.microsoft.com/office/drawing/2010/main" val="0"/>
+              </a:ext>
+            </a:extLst>
+          </a:blip>
+          <a:srcRect/>
+          <a:stretch>
+            <a:fillRect/>
+          </a:stretch>
+        </p:blipFill>
+        <p:spPr bwMode="auto">
+          <a:xfrm>
+            <a:off x="421747" y="1930400"/>
+            <a:ext cx="3120065" cy="3120065"/>
+          </a:xfrm>
+          <a:prstGeom prst="rect">
+            <a:avLst/>
+          </a:prstGeom>
+          <a:noFill/>
+          <a:extLst>
+            <a:ext uri="{909E8E84-426E-40DD-AFC4-6F175D3DCCD1}">
+              <a14:hiddenFill xmlns:a14="http://schemas.microsoft.com/office/drawing/2010/main">
+                <a:solidFill>
+                  <a:srgbClr val="FFFFFF"/>
+                </a:solidFill>
+              </a14:hiddenFill>
+            </a:ext>
+          </a:extLst>
+        </p:spPr>
+      </p:pic>
+      <p:sp>
+        <p:nvSpPr>
+          <p:cNvPr id="4" name="Arrow: Right 3">
+            <a:extLst>
+              <a:ext uri="{FF2B5EF4-FFF2-40B4-BE49-F238E27FC236}">
+                <a16:creationId xmlns:a16="http://schemas.microsoft.com/office/drawing/2014/main" id="{0423AD88-F916-490E-BE6C-AE5A11139F42}"/>
+              </a:ext>
+            </a:extLst>
+          </p:cNvPr>
+          <p:cNvSpPr/>
+          <p:nvPr/>
+        </p:nvSpPr>
+        <p:spPr>
+          <a:xfrm>
+            <a:off x="3690827" y="2899882"/>
+            <a:ext cx="1885950" cy="1181100"/>
+          </a:xfrm>
+          <a:prstGeom prst="rightArrow">
+            <a:avLst/>
+          </a:prstGeom>
+        </p:spPr>
+        <p:style>
+          <a:lnRef idx="2">
+            <a:schemeClr val="accent1">
+              <a:shade val="50000"/>
+            </a:schemeClr>
+          </a:lnRef>
+          <a:fillRef idx="1">
+            <a:schemeClr val="accent1"/>
+          </a:fillRef>
+          <a:effectRef idx="0">
+            <a:schemeClr val="accent1"/>
+          </a:effectRef>
+          <a:fontRef idx="minor">
+            <a:schemeClr val="lt1"/>
+          </a:fontRef>
+        </p:style>
+        <p:txBody>
+          <a:bodyPr rtlCol="0" anchor="ctr"/>
+          <a:lstStyle/>
+          <a:p>
+            <a:pPr algn="ctr"/>
+            <a:endParaRPr lang="en-US"/>
+          </a:p>
+        </p:txBody>
+      </p:sp>
+    </p:spTree>
+    <p:extLst>
+      <p:ext uri="{BB962C8B-B14F-4D97-AF65-F5344CB8AC3E}">
+        <p14:creationId xmlns:p14="http://schemas.microsoft.com/office/powerpoint/2010/main" val="1714527511"/>
+      </p:ext>
+    </p:extLst>
+  </p:cSld>
+  <p:clrMapOvr>
+    <a:masterClrMapping/>
+  </p:clrMapOvr>
+</p:sld>
+</file>
+
+<file path=ppt/slides/slide3.xml><?xml version="1.0" encoding="utf-8"?>
+<p:sld xmlns:a="http://schemas.openxmlformats.org/drawingml/2006/main" xmlns:r="http://schemas.openxmlformats.org/officeDocument/2006/relationships" xmlns:p="http://schemas.openxmlformats.org/presentationml/2006/main">
+  <p:cSld>
+    <p:spTree>
+      <p:nvGrpSpPr>
+        <p:cNvPr id="1" name=""/>
+        <p:cNvGrpSpPr/>
+        <p:nvPr/>
+      </p:nvGrpSpPr>
+      <p:grpSpPr>
+        <a:xfrm>
+          <a:off x="0" y="0"/>
+          <a:ext cx="0" cy="0"/>
+          <a:chOff x="0" y="0"/>
+          <a:chExt cx="0" cy="0"/>
+        </a:xfrm>
+      </p:grpSpPr>
+      <p:sp>
+        <p:nvSpPr>
+          <p:cNvPr id="2" name="Title 1">
+            <a:extLst>
+              <a:ext uri="{FF2B5EF4-FFF2-40B4-BE49-F238E27FC236}">
+                <a16:creationId xmlns:a16="http://schemas.microsoft.com/office/drawing/2014/main" id="{78EEDAFE-28FC-4EA9-A462-32B115AF2093}"/>
+              </a:ext>
+            </a:extLst>
+          </p:cNvPr>
+          <p:cNvSpPr>
+            <a:spLocks noGrp="1"/>
+          </p:cNvSpPr>
+          <p:nvPr>
+            <p:ph type="title"/>
+          </p:nvPr>
+        </p:nvSpPr>
+        <p:spPr/>
+        <p:txBody>
+          <a:bodyPr>
+            <a:noAutofit/>
+          </a:bodyPr>
+          <a:lstStyle/>
+          <a:p>
+            <a:pPr algn="ctr"/>
+            <a:r>
+              <a:rPr lang="en-US" sz="4400" dirty="0"/>
+              <a:t>Of course it is! Using our app, </a:t>
+            </a:r>
+            <a:r>
+              <a:rPr lang="en-US" sz="6000" dirty="0" err="1"/>
+              <a:t>Eleat</a:t>
+            </a:r>
+            <a:r>
+              <a:rPr lang="en-US" sz="4400" dirty="0"/>
+              <a:t>.</a:t>
+            </a:r>
+          </a:p>
+        </p:txBody>
+      </p:sp>
+      <p:sp>
+        <p:nvSpPr>
+          <p:cNvPr id="3" name="Content Placeholder 2">
+            <a:extLst>
+              <a:ext uri="{FF2B5EF4-FFF2-40B4-BE49-F238E27FC236}">
+                <a16:creationId xmlns:a16="http://schemas.microsoft.com/office/drawing/2014/main" id="{5AED81EE-D714-4CA3-A82A-6BFBF1D99F94}"/>
+              </a:ext>
+            </a:extLst>
+          </p:cNvPr>
+          <p:cNvSpPr>
+            <a:spLocks noGrp="1"/>
+          </p:cNvSpPr>
+          <p:nvPr>
+            <p:ph idx="1"/>
+          </p:nvPr>
+        </p:nvSpPr>
+        <p:spPr/>
+        <p:txBody>
+          <a:bodyPr/>
+          <a:lstStyle/>
+          <a:p>
+            <a:pPr marL="0" indent="0">
+              <a:buNone/>
+            </a:pPr>
+            <a:br>
+              <a:rPr lang="en-US" dirty="0"/>
+            </a:br>
+            <a:endParaRPr lang="en-US" dirty="0"/>
+          </a:p>
+        </p:txBody>
+      </p:sp>
+      <p:pic>
+        <p:nvPicPr>
+          <p:cNvPr id="3074" name="Picture 2" descr="Image result for fat guy on scale">
+            <a:extLst>
+              <a:ext uri="{FF2B5EF4-FFF2-40B4-BE49-F238E27FC236}">
+                <a16:creationId xmlns:a16="http://schemas.microsoft.com/office/drawing/2014/main" id="{2004FA4F-1247-498C-A75E-0C0A2E4D9F82}"/>
+              </a:ext>
+            </a:extLst>
+          </p:cNvPr>
+          <p:cNvPicPr>
+            <a:picLocks noChangeAspect="1" noChangeArrowheads="1"/>
+          </p:cNvPicPr>
+          <p:nvPr/>
+        </p:nvPicPr>
+        <p:blipFill>
+          <a:blip r:embed="rId2">
+            <a:extLst>
+              <a:ext uri="{28A0092B-C50C-407E-A947-70E740481C1C}">
+                <a14:useLocalDpi xmlns:a14="http://schemas.microsoft.com/office/drawing/2010/main" val="0"/>
+              </a:ext>
+            </a:extLst>
+          </a:blip>
+          <a:srcRect/>
+          <a:stretch>
+            <a:fillRect/>
+          </a:stretch>
+        </p:blipFill>
+        <p:spPr bwMode="auto">
+          <a:xfrm>
+            <a:off x="186353" y="2407451"/>
+            <a:ext cx="2333625" cy="1549374"/>
+          </a:xfrm>
+          <a:prstGeom prst="rect">
+            <a:avLst/>
+          </a:prstGeom>
+          <a:noFill/>
+          <a:extLst>
+            <a:ext uri="{909E8E84-426E-40DD-AFC4-6F175D3DCCD1}">
+              <a14:hiddenFill xmlns:a14="http://schemas.microsoft.com/office/drawing/2010/main">
+                <a:solidFill>
+                  <a:srgbClr val="FFFFFF"/>
+                </a:solidFill>
+              </a14:hiddenFill>
+            </a:ext>
+          </a:extLst>
+        </p:spPr>
+      </p:pic>
+      <p:sp>
+        <p:nvSpPr>
+          <p:cNvPr id="4" name="Arrow: Right 3">
+            <a:extLst>
+              <a:ext uri="{FF2B5EF4-FFF2-40B4-BE49-F238E27FC236}">
+                <a16:creationId xmlns:a16="http://schemas.microsoft.com/office/drawing/2014/main" id="{8A31856A-38C4-4B58-868B-C3D14D0F0252}"/>
+              </a:ext>
+            </a:extLst>
+          </p:cNvPr>
+          <p:cNvSpPr/>
+          <p:nvPr/>
+        </p:nvSpPr>
+        <p:spPr>
+          <a:xfrm>
+            <a:off x="2519978" y="3130208"/>
+            <a:ext cx="895350" cy="493724"/>
+          </a:xfrm>
+          <a:prstGeom prst="rightArrow">
+            <a:avLst/>
+          </a:prstGeom>
+        </p:spPr>
+        <p:style>
+          <a:lnRef idx="2">
+            <a:schemeClr val="accent1">
+              <a:shade val="50000"/>
+            </a:schemeClr>
+          </a:lnRef>
+          <a:fillRef idx="1">
+            <a:schemeClr val="accent1"/>
+          </a:fillRef>
+          <a:effectRef idx="0">
+            <a:schemeClr val="accent1"/>
+          </a:effectRef>
+          <a:fontRef idx="minor">
+            <a:schemeClr val="lt1"/>
+          </a:fontRef>
+        </p:style>
+        <p:txBody>
+          <a:bodyPr rtlCol="0" anchor="ctr"/>
+          <a:lstStyle/>
+          <a:p>
+            <a:pPr algn="ctr"/>
+            <a:endParaRPr lang="en-US"/>
+          </a:p>
+        </p:txBody>
+      </p:sp>
+      <p:pic>
+        <p:nvPicPr>
+          <p:cNvPr id="3078" name="Picture 6" descr="First World Problems Meme | I HAVE SO MUCH FOOD I CAN'T STOP EATING IT | image tagged in memes,first world problems | made w/ Imgflip meme maker">
+            <a:extLst>
+              <a:ext uri="{FF2B5EF4-FFF2-40B4-BE49-F238E27FC236}">
+                <a16:creationId xmlns:a16="http://schemas.microsoft.com/office/drawing/2014/main" id="{AD241CB3-BB0D-44A4-A6E1-293A9814391E}"/>
+              </a:ext>
+            </a:extLst>
+          </p:cNvPr>
+          <p:cNvPicPr>
+            <a:picLocks noChangeAspect="1" noChangeArrowheads="1"/>
+          </p:cNvPicPr>
+          <p:nvPr/>
+        </p:nvPicPr>
+        <p:blipFill>
+          <a:blip r:embed="rId3">
+            <a:extLst>
+              <a:ext uri="{28A0092B-C50C-407E-A947-70E740481C1C}">
+                <a14:useLocalDpi xmlns:a14="http://schemas.microsoft.com/office/drawing/2010/main" val="0"/>
+              </a:ext>
+            </a:extLst>
+          </a:blip>
+          <a:srcRect/>
+          <a:stretch>
+            <a:fillRect/>
+          </a:stretch>
+        </p:blipFill>
+        <p:spPr bwMode="auto">
+          <a:xfrm>
+            <a:off x="3506615" y="2549452"/>
+            <a:ext cx="2333625" cy="1551523"/>
+          </a:xfrm>
+          <a:prstGeom prst="rect">
+            <a:avLst/>
+          </a:prstGeom>
+          <a:noFill/>
+          <a:extLst>
+            <a:ext uri="{909E8E84-426E-40DD-AFC4-6F175D3DCCD1}">
+              <a14:hiddenFill xmlns:a14="http://schemas.microsoft.com/office/drawing/2010/main">
+                <a:solidFill>
+                  <a:srgbClr val="FFFFFF"/>
+                </a:solidFill>
+              </a14:hiddenFill>
+            </a:ext>
+          </a:extLst>
+        </p:spPr>
+      </p:pic>
+      <p:sp>
+        <p:nvSpPr>
+          <p:cNvPr id="9" name="Arrow: Right 8">
+            <a:extLst>
+              <a:ext uri="{FF2B5EF4-FFF2-40B4-BE49-F238E27FC236}">
+                <a16:creationId xmlns:a16="http://schemas.microsoft.com/office/drawing/2014/main" id="{C3A06153-8CEB-4C64-9F55-664200675B24}"/>
+              </a:ext>
+            </a:extLst>
+          </p:cNvPr>
+          <p:cNvSpPr/>
+          <p:nvPr/>
+        </p:nvSpPr>
+        <p:spPr>
+          <a:xfrm>
+            <a:off x="5931527" y="3130208"/>
+            <a:ext cx="895350" cy="493724"/>
+          </a:xfrm>
+          <a:prstGeom prst="rightArrow">
+            <a:avLst/>
+          </a:prstGeom>
+        </p:spPr>
+        <p:style>
+          <a:lnRef idx="2">
+            <a:schemeClr val="accent1">
+              <a:shade val="50000"/>
+            </a:schemeClr>
+          </a:lnRef>
+          <a:fillRef idx="1">
+            <a:schemeClr val="accent1"/>
+          </a:fillRef>
+          <a:effectRef idx="0">
+            <a:schemeClr val="accent1"/>
+          </a:effectRef>
+          <a:fontRef idx="minor">
+            <a:schemeClr val="lt1"/>
+          </a:fontRef>
+        </p:style>
+        <p:txBody>
+          <a:bodyPr rtlCol="0" anchor="ctr"/>
+          <a:lstStyle/>
+          <a:p>
+            <a:pPr algn="ctr"/>
+            <a:endParaRPr lang="en-US"/>
+          </a:p>
+        </p:txBody>
+      </p:sp>
+      <p:pic>
+        <p:nvPicPr>
+          <p:cNvPr id="3080" name="Picture 8" descr="Image result for a few moments later">
+            <a:extLst>
+              <a:ext uri="{FF2B5EF4-FFF2-40B4-BE49-F238E27FC236}">
+                <a16:creationId xmlns:a16="http://schemas.microsoft.com/office/drawing/2014/main" id="{838A8B00-845F-49AF-9A5B-85A573D3ED39}"/>
+              </a:ext>
+            </a:extLst>
+          </p:cNvPr>
+          <p:cNvPicPr>
+            <a:picLocks noChangeAspect="1" noChangeArrowheads="1"/>
+          </p:cNvPicPr>
+          <p:nvPr/>
+        </p:nvPicPr>
+        <p:blipFill>
+          <a:blip r:embed="rId4">
+            <a:extLst>
+              <a:ext uri="{28A0092B-C50C-407E-A947-70E740481C1C}">
+                <a14:useLocalDpi xmlns:a14="http://schemas.microsoft.com/office/drawing/2010/main" val="0"/>
+              </a:ext>
+            </a:extLst>
+          </a:blip>
+          <a:srcRect/>
+          <a:stretch>
+            <a:fillRect/>
+          </a:stretch>
+        </p:blipFill>
+        <p:spPr bwMode="auto">
+          <a:xfrm>
+            <a:off x="6918164" y="2787404"/>
+            <a:ext cx="2096589" cy="1179331"/>
+          </a:xfrm>
+          <a:prstGeom prst="rect">
+            <a:avLst/>
+          </a:prstGeom>
+          <a:noFill/>
+          <a:extLst>
+            <a:ext uri="{909E8E84-426E-40DD-AFC4-6F175D3DCCD1}">
+              <a14:hiddenFill xmlns:a14="http://schemas.microsoft.com/office/drawing/2010/main">
+                <a:solidFill>
+                  <a:srgbClr val="FFFFFF"/>
+                </a:solidFill>
+              </a14:hiddenFill>
+            </a:ext>
+          </a:extLst>
+        </p:spPr>
+      </p:pic>
+      <p:sp>
+        <p:nvSpPr>
+          <p:cNvPr id="6" name="Arrow: Down 5">
+            <a:extLst>
+              <a:ext uri="{FF2B5EF4-FFF2-40B4-BE49-F238E27FC236}">
+                <a16:creationId xmlns:a16="http://schemas.microsoft.com/office/drawing/2014/main" id="{8F52A569-528D-4152-A3A1-0B74EBBD73AE}"/>
+              </a:ext>
+            </a:extLst>
+          </p:cNvPr>
+          <p:cNvSpPr/>
+          <p:nvPr/>
+        </p:nvSpPr>
+        <p:spPr>
+          <a:xfrm>
+            <a:off x="7665519" y="4068807"/>
+            <a:ext cx="601878" cy="437227"/>
+          </a:xfrm>
+          <a:prstGeom prst="downArrow">
+            <a:avLst/>
+          </a:prstGeom>
+        </p:spPr>
+        <p:style>
+          <a:lnRef idx="2">
+            <a:schemeClr val="accent1">
+              <a:shade val="50000"/>
+            </a:schemeClr>
+          </a:lnRef>
+          <a:fillRef idx="1">
+            <a:schemeClr val="accent1"/>
+          </a:fillRef>
+          <a:effectRef idx="0">
+            <a:schemeClr val="accent1"/>
+          </a:effectRef>
+          <a:fontRef idx="minor">
+            <a:schemeClr val="lt1"/>
+          </a:fontRef>
+        </p:style>
+        <p:txBody>
+          <a:bodyPr rtlCol="0" anchor="ctr"/>
+          <a:lstStyle/>
+          <a:p>
+            <a:pPr algn="ctr"/>
+            <a:endParaRPr lang="en-US"/>
+          </a:p>
+        </p:txBody>
+      </p:sp>
+      <p:pic>
+        <p:nvPicPr>
+          <p:cNvPr id="3082" name="Picture 10" descr="Image result for a person holding a phone">
+            <a:extLst>
+              <a:ext uri="{FF2B5EF4-FFF2-40B4-BE49-F238E27FC236}">
+                <a16:creationId xmlns:a16="http://schemas.microsoft.com/office/drawing/2014/main" id="{79D4538A-A542-4B05-B96D-7C86F96FFEC4}"/>
+              </a:ext>
+            </a:extLst>
+          </p:cNvPr>
+          <p:cNvPicPr>
+            <a:picLocks noChangeAspect="1" noChangeArrowheads="1"/>
+          </p:cNvPicPr>
+          <p:nvPr/>
+        </p:nvPicPr>
+        <p:blipFill>
+          <a:blip r:embed="rId5">
+            <a:extLst>
+              <a:ext uri="{28A0092B-C50C-407E-A947-70E740481C1C}">
+                <a14:useLocalDpi xmlns:a14="http://schemas.microsoft.com/office/drawing/2010/main" val="0"/>
+              </a:ext>
+            </a:extLst>
+          </a:blip>
+          <a:srcRect/>
+          <a:stretch>
+            <a:fillRect/>
+          </a:stretch>
+        </p:blipFill>
+        <p:spPr bwMode="auto">
+          <a:xfrm>
+            <a:off x="7096962" y="4608106"/>
+            <a:ext cx="1738991" cy="1738991"/>
+          </a:xfrm>
+          <a:prstGeom prst="rect">
+            <a:avLst/>
+          </a:prstGeom>
+          <a:noFill/>
+          <a:extLst>
+            <a:ext uri="{909E8E84-426E-40DD-AFC4-6F175D3DCCD1}">
+              <a14:hiddenFill xmlns:a14="http://schemas.microsoft.com/office/drawing/2010/main">
+                <a:solidFill>
+                  <a:srgbClr val="FFFFFF"/>
+                </a:solidFill>
+              </a14:hiddenFill>
+            </a:ext>
+          </a:extLst>
+        </p:spPr>
+      </p:pic>
+      <p:pic>
+        <p:nvPicPr>
+          <p:cNvPr id="7" name="Picture 6">
+            <a:extLst>
+              <a:ext uri="{FF2B5EF4-FFF2-40B4-BE49-F238E27FC236}">
+                <a16:creationId xmlns:a16="http://schemas.microsoft.com/office/drawing/2014/main" id="{D411808D-C523-44D0-A28F-02BC18630D98}"/>
+              </a:ext>
+            </a:extLst>
+          </p:cNvPr>
+          <p:cNvPicPr>
+            <a:picLocks noChangeAspect="1"/>
+          </p:cNvPicPr>
+          <p:nvPr/>
+        </p:nvPicPr>
+        <p:blipFill>
+          <a:blip r:embed="rId6"/>
+          <a:stretch>
+            <a:fillRect/>
+          </a:stretch>
+        </p:blipFill>
+        <p:spPr>
+          <a:xfrm rot="652480">
+            <a:off x="7828105" y="5055229"/>
+            <a:ext cx="538297" cy="184350"/>
+          </a:xfrm>
+          <a:prstGeom prst="rect">
+            <a:avLst/>
+          </a:prstGeom>
+        </p:spPr>
+      </p:pic>
+      <p:sp>
+        <p:nvSpPr>
+          <p:cNvPr id="14" name="Arrow: Right 13">
+            <a:extLst>
+              <a:ext uri="{FF2B5EF4-FFF2-40B4-BE49-F238E27FC236}">
+                <a16:creationId xmlns:a16="http://schemas.microsoft.com/office/drawing/2014/main" id="{3A2035F7-9012-4F21-8A50-7EAC2781CFB0}"/>
+              </a:ext>
+            </a:extLst>
+          </p:cNvPr>
+          <p:cNvSpPr/>
+          <p:nvPr/>
+        </p:nvSpPr>
+        <p:spPr>
+          <a:xfrm rot="10800000">
+            <a:off x="6403796" y="5230739"/>
+            <a:ext cx="895350" cy="493724"/>
+          </a:xfrm>
+          <a:prstGeom prst="rightArrow">
+            <a:avLst/>
+          </a:prstGeom>
+        </p:spPr>
+        <p:style>
+          <a:lnRef idx="2">
+            <a:schemeClr val="accent1">
+              <a:shade val="50000"/>
+            </a:schemeClr>
+          </a:lnRef>
+          <a:fillRef idx="1">
+            <a:schemeClr val="accent1"/>
+          </a:fillRef>
+          <a:effectRef idx="0">
+            <a:schemeClr val="accent1"/>
+          </a:effectRef>
+          <a:fontRef idx="minor">
+            <a:schemeClr val="lt1"/>
+          </a:fontRef>
+        </p:style>
+        <p:txBody>
+          <a:bodyPr rtlCol="0" anchor="ctr"/>
+          <a:lstStyle/>
+          <a:p>
+            <a:pPr algn="ctr"/>
+            <a:endParaRPr lang="en-US"/>
+          </a:p>
+        </p:txBody>
+      </p:sp>
+      <p:pic>
+        <p:nvPicPr>
+          <p:cNvPr id="3084" name="Picture 12" descr="Image result for super excited gif">
+            <a:extLst>
+              <a:ext uri="{FF2B5EF4-FFF2-40B4-BE49-F238E27FC236}">
+                <a16:creationId xmlns:a16="http://schemas.microsoft.com/office/drawing/2014/main" id="{4DEC40E7-8AF2-4E2F-99AA-475B4989F16A}"/>
+              </a:ext>
+            </a:extLst>
+          </p:cNvPr>
+          <p:cNvPicPr>
+            <a:picLocks noChangeAspect="1" noChangeArrowheads="1" noCrop="1"/>
+          </p:cNvPicPr>
+          <p:nvPr/>
+        </p:nvPicPr>
+        <p:blipFill>
+          <a:blip r:embed="rId7">
+            <a:extLst>
+              <a:ext uri="{28A0092B-C50C-407E-A947-70E740481C1C}">
+                <a14:useLocalDpi xmlns:a14="http://schemas.microsoft.com/office/drawing/2010/main" val="0"/>
+              </a:ext>
+            </a:extLst>
+          </a:blip>
+          <a:srcRect/>
+          <a:stretch>
+            <a:fillRect/>
+          </a:stretch>
+        </p:blipFill>
+        <p:spPr bwMode="auto">
+          <a:xfrm>
+            <a:off x="3881004" y="4778620"/>
+            <a:ext cx="2408382" cy="1286076"/>
+          </a:xfrm>
+          <a:prstGeom prst="rect">
+            <a:avLst/>
+          </a:prstGeom>
+          <a:noFill/>
+          <a:extLst>
+            <a:ext uri="{909E8E84-426E-40DD-AFC4-6F175D3DCCD1}">
+              <a14:hiddenFill xmlns:a14="http://schemas.microsoft.com/office/drawing/2010/main">
+                <a:solidFill>
+                  <a:srgbClr val="FFFFFF"/>
+                </a:solidFill>
+              </a14:hiddenFill>
+            </a:ext>
+          </a:extLst>
+        </p:spPr>
+      </p:pic>
+      <p:sp>
+        <p:nvSpPr>
+          <p:cNvPr id="16" name="Arrow: Right 15">
+            <a:extLst>
+              <a:ext uri="{FF2B5EF4-FFF2-40B4-BE49-F238E27FC236}">
+                <a16:creationId xmlns:a16="http://schemas.microsoft.com/office/drawing/2014/main" id="{337AA740-552D-4F16-BFEC-038D46EE8A77}"/>
+              </a:ext>
+            </a:extLst>
+          </p:cNvPr>
+          <p:cNvSpPr/>
+          <p:nvPr/>
+        </p:nvSpPr>
+        <p:spPr>
+          <a:xfrm rot="10800000">
+            <a:off x="2855339" y="5231737"/>
+            <a:ext cx="895350" cy="493724"/>
+          </a:xfrm>
+          <a:prstGeom prst="rightArrow">
+            <a:avLst/>
+          </a:prstGeom>
+        </p:spPr>
+        <p:style>
+          <a:lnRef idx="2">
+            <a:schemeClr val="accent1">
+              <a:shade val="50000"/>
+            </a:schemeClr>
+          </a:lnRef>
+          <a:fillRef idx="1">
+            <a:schemeClr val="accent1"/>
+          </a:fillRef>
+          <a:effectRef idx="0">
+            <a:schemeClr val="accent1"/>
+          </a:effectRef>
+          <a:fontRef idx="minor">
+            <a:schemeClr val="lt1"/>
+          </a:fontRef>
+        </p:style>
+        <p:txBody>
+          <a:bodyPr rtlCol="0" anchor="ctr"/>
+          <a:lstStyle/>
+          <a:p>
+            <a:pPr algn="ctr"/>
+            <a:endParaRPr lang="en-US"/>
+          </a:p>
+        </p:txBody>
+      </p:sp>
+      <p:pic>
+        <p:nvPicPr>
+          <p:cNvPr id="3086" name="Picture 14" descr="Image result for arnold schwarzenegger thumbs up">
+            <a:extLst>
+              <a:ext uri="{FF2B5EF4-FFF2-40B4-BE49-F238E27FC236}">
+                <a16:creationId xmlns:a16="http://schemas.microsoft.com/office/drawing/2014/main" id="{B3B0635E-A805-4E18-8B7D-0E5E72F3163A}"/>
+              </a:ext>
+            </a:extLst>
+          </p:cNvPr>
+          <p:cNvPicPr>
+            <a:picLocks noChangeAspect="1" noChangeArrowheads="1"/>
+          </p:cNvPicPr>
+          <p:nvPr/>
+        </p:nvPicPr>
+        <p:blipFill>
+          <a:blip r:embed="rId8">
+            <a:extLst>
+              <a:ext uri="{28A0092B-C50C-407E-A947-70E740481C1C}">
+                <a14:useLocalDpi xmlns:a14="http://schemas.microsoft.com/office/drawing/2010/main" val="0"/>
+              </a:ext>
+            </a:extLst>
+          </a:blip>
+          <a:srcRect/>
+          <a:stretch>
+            <a:fillRect/>
+          </a:stretch>
+        </p:blipFill>
+        <p:spPr bwMode="auto">
+          <a:xfrm>
+            <a:off x="637020" y="4679582"/>
+            <a:ext cx="2088003" cy="1359522"/>
+          </a:xfrm>
+          <a:prstGeom prst="rect">
+            <a:avLst/>
+          </a:prstGeom>
+          <a:noFill/>
+          <a:extLst>
+            <a:ext uri="{909E8E84-426E-40DD-AFC4-6F175D3DCCD1}">
+              <a14:hiddenFill xmlns:a14="http://schemas.microsoft.com/office/drawing/2010/main">
+                <a:solidFill>
+                  <a:srgbClr val="FFFFFF"/>
+                </a:solidFill>
+              </a14:hiddenFill>
+            </a:ext>
+          </a:extLst>
+        </p:spPr>
+      </p:pic>
+    </p:spTree>
+    <p:extLst>
+      <p:ext uri="{BB962C8B-B14F-4D97-AF65-F5344CB8AC3E}">
+        <p14:creationId xmlns:p14="http://schemas.microsoft.com/office/powerpoint/2010/main" val="1142624156"/>
+      </p:ext>
+    </p:extLst>
+  </p:cSld>
+  <p:clrMapOvr>
+    <a:masterClrMapping/>
+  </p:clrMapOvr>
+</p:sld>
+</file>
+
+<file path=ppt/slides/slide4.xml><?xml version="1.0" encoding="utf-8"?>
+<p:sld xmlns:a="http://schemas.openxmlformats.org/drawingml/2006/main" xmlns:r="http://schemas.openxmlformats.org/officeDocument/2006/relationships" xmlns:p="http://schemas.openxmlformats.org/presentationml/2006/main">
+  <p:cSld>
+    <p:spTree>
+      <p:nvGrpSpPr>
+        <p:cNvPr id="1" name=""/>
+        <p:cNvGrpSpPr/>
+        <p:nvPr/>
+      </p:nvGrpSpPr>
+      <p:grpSpPr>
+        <a:xfrm>
+          <a:off x="0" y="0"/>
+          <a:ext cx="0" cy="0"/>
+          <a:chOff x="0" y="0"/>
+          <a:chExt cx="0" cy="0"/>
+        </a:xfrm>
+      </p:grpSpPr>
+      <p:sp>
+        <p:nvSpPr>
+          <p:cNvPr id="2" name="Title 1">
+            <a:extLst>
+              <a:ext uri="{FF2B5EF4-FFF2-40B4-BE49-F238E27FC236}">
+                <a16:creationId xmlns:a16="http://schemas.microsoft.com/office/drawing/2014/main" id="{332B15B6-00D6-47E7-8443-4229A247EA99}"/>
+              </a:ext>
+            </a:extLst>
+          </p:cNvPr>
+          <p:cNvSpPr>
+            <a:spLocks noGrp="1"/>
+          </p:cNvSpPr>
+          <p:nvPr>
+            <p:ph type="title"/>
+          </p:nvPr>
+        </p:nvSpPr>
+        <p:spPr/>
+        <p:txBody>
+          <a:bodyPr>
+            <a:normAutofit/>
+          </a:bodyPr>
+          <a:lstStyle/>
+          <a:p>
+            <a:r>
+              <a:rPr lang="en-US" sz="4400" dirty="0"/>
+              <a:t>Originality</a:t>
+            </a:r>
+          </a:p>
+        </p:txBody>
+      </p:sp>
+      <p:sp>
+        <p:nvSpPr>
+          <p:cNvPr id="3" name="Content Placeholder 2">
+            <a:extLst>
+              <a:ext uri="{FF2B5EF4-FFF2-40B4-BE49-F238E27FC236}">
+                <a16:creationId xmlns:a16="http://schemas.microsoft.com/office/drawing/2014/main" id="{FDB11F24-A955-4325-B0DE-92E3BD51CDBA}"/>
+              </a:ext>
+            </a:extLst>
+          </p:cNvPr>
+          <p:cNvSpPr>
+            <a:spLocks noGrp="1"/>
+          </p:cNvSpPr>
+          <p:nvPr>
+            <p:ph idx="1"/>
+          </p:nvPr>
+        </p:nvSpPr>
+        <p:spPr>
+          <a:xfrm>
+            <a:off x="677334" y="1446929"/>
+            <a:ext cx="8596668" cy="3880773"/>
+          </a:xfrm>
+        </p:spPr>
+        <p:txBody>
+          <a:bodyPr/>
+          <a:lstStyle/>
+          <a:p>
+            <a:pPr marL="0" indent="0">
+              <a:lnSpc>
+                <a:spcPct val="200000"/>
+              </a:lnSpc>
+              <a:buNone/>
+            </a:pPr>
+            <a:r>
+              <a:rPr lang="en-US" dirty="0"/>
+              <a:t>We are the first group to develop an app that takes a picture of food and the app then provides nutritional info for the food item captured. We also have created a nutritional calculator to find what your ideal calorie goal is based on weight, sex, and fitness level. </a:t>
+            </a:r>
+          </a:p>
+        </p:txBody>
+      </p:sp>
+      <p:sp>
+        <p:nvSpPr>
+          <p:cNvPr id="4" name="Plus Sign 3">
+            <a:extLst>
+              <a:ext uri="{FF2B5EF4-FFF2-40B4-BE49-F238E27FC236}">
+                <a16:creationId xmlns:a16="http://schemas.microsoft.com/office/drawing/2014/main" id="{A0D256C8-650E-468C-ACC8-38F7253FF118}"/>
+              </a:ext>
+            </a:extLst>
+          </p:cNvPr>
+          <p:cNvSpPr/>
+          <p:nvPr/>
+        </p:nvSpPr>
+        <p:spPr>
+          <a:xfrm>
+            <a:off x="4515606" y="4522577"/>
+            <a:ext cx="666750" cy="574012"/>
+          </a:xfrm>
+          <a:prstGeom prst="mathPlus">
+            <a:avLst/>
+          </a:prstGeom>
+        </p:spPr>
+        <p:style>
+          <a:lnRef idx="2">
+            <a:schemeClr val="accent1">
+              <a:shade val="50000"/>
+            </a:schemeClr>
+          </a:lnRef>
+          <a:fillRef idx="1">
+            <a:schemeClr val="accent1"/>
+          </a:fillRef>
+          <a:effectRef idx="0">
+            <a:schemeClr val="accent1"/>
+          </a:effectRef>
+          <a:fontRef idx="minor">
+            <a:schemeClr val="lt1"/>
+          </a:fontRef>
+        </p:style>
+        <p:txBody>
+          <a:bodyPr rtlCol="0" anchor="ctr"/>
+          <a:lstStyle/>
+          <a:p>
+            <a:pPr algn="ctr"/>
+            <a:endParaRPr lang="en-US"/>
+          </a:p>
+        </p:txBody>
+      </p:sp>
+      <p:pic>
+        <p:nvPicPr>
+          <p:cNvPr id="2052" name="Picture 4" descr="Image result for healthy food">
+            <a:extLst>
+              <a:ext uri="{FF2B5EF4-FFF2-40B4-BE49-F238E27FC236}">
+                <a16:creationId xmlns:a16="http://schemas.microsoft.com/office/drawing/2014/main" id="{4D53740A-BFE6-4FB4-B166-386759E83D3C}"/>
+              </a:ext>
+            </a:extLst>
+          </p:cNvPr>
+          <p:cNvPicPr>
+            <a:picLocks noChangeAspect="1" noChangeArrowheads="1"/>
+          </p:cNvPicPr>
+          <p:nvPr/>
+        </p:nvPicPr>
+        <p:blipFill>
+          <a:blip r:embed="rId2">
+            <a:extLst>
+              <a:ext uri="{28A0092B-C50C-407E-A947-70E740481C1C}">
+                <a14:useLocalDpi xmlns:a14="http://schemas.microsoft.com/office/drawing/2010/main" val="0"/>
+              </a:ext>
+            </a:extLst>
+          </a:blip>
+          <a:srcRect/>
+          <a:stretch>
+            <a:fillRect/>
+          </a:stretch>
+        </p:blipFill>
+        <p:spPr bwMode="auto">
+          <a:xfrm>
+            <a:off x="5182356" y="3707129"/>
+            <a:ext cx="1831428" cy="1831428"/>
+          </a:xfrm>
+          <a:prstGeom prst="rect">
+            <a:avLst/>
+          </a:prstGeom>
+          <a:noFill/>
+          <a:extLst>
+            <a:ext uri="{909E8E84-426E-40DD-AFC4-6F175D3DCCD1}">
+              <a14:hiddenFill xmlns:a14="http://schemas.microsoft.com/office/drawing/2010/main">
+                <a:solidFill>
+                  <a:srgbClr val="FFFFFF"/>
+                </a:solidFill>
+              </a14:hiddenFill>
+            </a:ext>
+          </a:extLst>
+        </p:spPr>
+      </p:pic>
+      <p:sp>
+        <p:nvSpPr>
+          <p:cNvPr id="5" name="Equals 4">
+            <a:extLst>
+              <a:ext uri="{FF2B5EF4-FFF2-40B4-BE49-F238E27FC236}">
+                <a16:creationId xmlns:a16="http://schemas.microsoft.com/office/drawing/2014/main" id="{717DC667-0868-4188-84E1-90D18E5E192B}"/>
+              </a:ext>
+            </a:extLst>
+          </p:cNvPr>
+          <p:cNvSpPr/>
+          <p:nvPr/>
+        </p:nvSpPr>
+        <p:spPr>
+          <a:xfrm>
+            <a:off x="6904634" y="4565082"/>
+            <a:ext cx="484691" cy="497812"/>
+          </a:xfrm>
+          <a:prstGeom prst="mathEqual">
+            <a:avLst/>
+          </a:prstGeom>
+        </p:spPr>
+        <p:style>
+          <a:lnRef idx="2">
+            <a:schemeClr val="accent1">
+              <a:shade val="50000"/>
+            </a:schemeClr>
+          </a:lnRef>
+          <a:fillRef idx="1">
+            <a:schemeClr val="accent1"/>
+          </a:fillRef>
+          <a:effectRef idx="0">
+            <a:schemeClr val="accent1"/>
+          </a:effectRef>
+          <a:fontRef idx="minor">
+            <a:schemeClr val="lt1"/>
+          </a:fontRef>
+        </p:style>
+        <p:txBody>
+          <a:bodyPr rtlCol="0" anchor="ctr"/>
+          <a:lstStyle/>
+          <a:p>
+            <a:pPr algn="ctr"/>
+            <a:endParaRPr lang="en-US">
+              <a:solidFill>
+                <a:schemeClr val="tx1"/>
+              </a:solidFill>
+            </a:endParaRPr>
+          </a:p>
+        </p:txBody>
+      </p:sp>
+      <p:pic>
+        <p:nvPicPr>
+          <p:cNvPr id="2054" name="Picture 6" descr="Image result for in shape female">
+            <a:extLst>
+              <a:ext uri="{FF2B5EF4-FFF2-40B4-BE49-F238E27FC236}">
+                <a16:creationId xmlns:a16="http://schemas.microsoft.com/office/drawing/2014/main" id="{DBE7058A-BFD6-419A-A556-D050AB70AB00}"/>
+              </a:ext>
+            </a:extLst>
+          </p:cNvPr>
+          <p:cNvPicPr>
+            <a:picLocks noChangeAspect="1" noChangeArrowheads="1"/>
+          </p:cNvPicPr>
+          <p:nvPr/>
+        </p:nvPicPr>
+        <p:blipFill>
+          <a:blip r:embed="rId3">
+            <a:extLst>
+              <a:ext uri="{28A0092B-C50C-407E-A947-70E740481C1C}">
+                <a14:useLocalDpi xmlns:a14="http://schemas.microsoft.com/office/drawing/2010/main" val="0"/>
+              </a:ext>
+            </a:extLst>
+          </a:blip>
+          <a:srcRect/>
+          <a:stretch>
+            <a:fillRect/>
+          </a:stretch>
+        </p:blipFill>
+        <p:spPr bwMode="auto">
+          <a:xfrm>
+            <a:off x="7389103" y="3641827"/>
+            <a:ext cx="1509580" cy="2261703"/>
+          </a:xfrm>
+          <a:prstGeom prst="rect">
+            <a:avLst/>
+          </a:prstGeom>
+          <a:noFill/>
+          <a:extLst>
+            <a:ext uri="{909E8E84-426E-40DD-AFC4-6F175D3DCCD1}">
+              <a14:hiddenFill xmlns:a14="http://schemas.microsoft.com/office/drawing/2010/main">
+                <a:solidFill>
+                  <a:srgbClr val="FFFFFF"/>
+                </a:solidFill>
+              </a14:hiddenFill>
+            </a:ext>
+          </a:extLst>
+        </p:spPr>
+      </p:pic>
+      <p:pic>
+        <p:nvPicPr>
+          <p:cNvPr id="9" name="Picture 8">
+            <a:extLst>
+              <a:ext uri="{FF2B5EF4-FFF2-40B4-BE49-F238E27FC236}">
+                <a16:creationId xmlns:a16="http://schemas.microsoft.com/office/drawing/2014/main" id="{A52220CE-F56D-4670-AD5B-584A2256DB36}"/>
+              </a:ext>
+            </a:extLst>
+          </p:cNvPr>
+          <p:cNvPicPr>
+            <a:picLocks noChangeAspect="1"/>
+          </p:cNvPicPr>
+          <p:nvPr/>
+        </p:nvPicPr>
+        <p:blipFill>
+          <a:blip r:embed="rId4"/>
+          <a:stretch>
+            <a:fillRect/>
+          </a:stretch>
+        </p:blipFill>
+        <p:spPr>
+          <a:xfrm>
+            <a:off x="478198" y="4446254"/>
+            <a:ext cx="1913153" cy="652850"/>
+          </a:xfrm>
+          <a:prstGeom prst="rect">
+            <a:avLst/>
+          </a:prstGeom>
+        </p:spPr>
+      </p:pic>
+      <p:pic>
+        <p:nvPicPr>
+          <p:cNvPr id="2056" name="Picture 8" descr="Image result for weights">
+            <a:extLst>
+              <a:ext uri="{FF2B5EF4-FFF2-40B4-BE49-F238E27FC236}">
+                <a16:creationId xmlns:a16="http://schemas.microsoft.com/office/drawing/2014/main" id="{C70EB00F-F736-4E01-B881-95FCE1BC16A2}"/>
+              </a:ext>
+            </a:extLst>
+          </p:cNvPr>
+          <p:cNvPicPr>
+            <a:picLocks noChangeAspect="1" noChangeArrowheads="1"/>
+          </p:cNvPicPr>
+          <p:nvPr/>
+        </p:nvPicPr>
+        <p:blipFill>
+          <a:blip r:embed="rId5">
+            <a:extLst>
+              <a:ext uri="{28A0092B-C50C-407E-A947-70E740481C1C}">
+                <a14:useLocalDpi xmlns:a14="http://schemas.microsoft.com/office/drawing/2010/main" val="0"/>
+              </a:ext>
+            </a:extLst>
+          </a:blip>
+          <a:srcRect/>
+          <a:stretch>
+            <a:fillRect/>
+          </a:stretch>
+        </p:blipFill>
+        <p:spPr bwMode="auto">
+          <a:xfrm>
+            <a:off x="3057879" y="4080608"/>
+            <a:ext cx="1457949" cy="1457949"/>
+          </a:xfrm>
+          <a:prstGeom prst="rect">
+            <a:avLst/>
+          </a:prstGeom>
+          <a:noFill/>
+          <a:extLst>
+            <a:ext uri="{909E8E84-426E-40DD-AFC4-6F175D3DCCD1}">
+              <a14:hiddenFill xmlns:a14="http://schemas.microsoft.com/office/drawing/2010/main">
+                <a:solidFill>
+                  <a:srgbClr val="FFFFFF"/>
+                </a:solidFill>
+              </a14:hiddenFill>
+            </a:ext>
+          </a:extLst>
+        </p:spPr>
+      </p:pic>
+      <p:sp>
+        <p:nvSpPr>
+          <p:cNvPr id="11" name="Plus Sign 10">
+            <a:extLst>
+              <a:ext uri="{FF2B5EF4-FFF2-40B4-BE49-F238E27FC236}">
+                <a16:creationId xmlns:a16="http://schemas.microsoft.com/office/drawing/2014/main" id="{F734978B-0857-49F3-8002-EFC53EED7009}"/>
+              </a:ext>
+            </a:extLst>
+          </p:cNvPr>
+          <p:cNvSpPr/>
+          <p:nvPr/>
+        </p:nvSpPr>
+        <p:spPr>
+          <a:xfrm>
+            <a:off x="2391351" y="4522577"/>
+            <a:ext cx="666750" cy="574012"/>
+          </a:xfrm>
+          <a:prstGeom prst="mathPlus">
+            <a:avLst/>
+          </a:prstGeom>
+        </p:spPr>
+        <p:style>
+          <a:lnRef idx="2">
+            <a:schemeClr val="accent1">
+              <a:shade val="50000"/>
+            </a:schemeClr>
+          </a:lnRef>
+          <a:fillRef idx="1">
+            <a:schemeClr val="accent1"/>
+          </a:fillRef>
+          <a:effectRef idx="0">
+            <a:schemeClr val="accent1"/>
+          </a:effectRef>
+          <a:fontRef idx="minor">
+            <a:schemeClr val="lt1"/>
+          </a:fontRef>
+        </p:style>
+        <p:txBody>
+          <a:bodyPr rtlCol="0" anchor="ctr"/>
+          <a:lstStyle/>
+          <a:p>
+            <a:pPr algn="ctr"/>
+            <a:endParaRPr lang="en-US"/>
+          </a:p>
+        </p:txBody>
+      </p:sp>
+    </p:spTree>
+    <p:extLst>
+      <p:ext uri="{BB962C8B-B14F-4D97-AF65-F5344CB8AC3E}">
+        <p14:creationId xmlns:p14="http://schemas.microsoft.com/office/powerpoint/2010/main" val="331003677"/>
       </p:ext>
     </p:extLst>
   </p:cSld>
